--- a/spring12/slidesS12/relational-mappings.pptx
+++ b/spring12/slidesS12/relational-mappings.pptx
@@ -46,7 +46,7 @@
     <p:sldId id="363" r:id="rId34"/>
     <p:sldId id="361" r:id="rId35"/>
   </p:sldIdLst>
-  <p:sldSz cx="9144000" cy="6858000" type="screen4x3"/>
+  <p:sldSz cx="9144000" cy="6858000" type="letter"/>
   <p:notesSz cx="7315200" cy="9601200"/>
   <p:custDataLst>
     <p:tags r:id="rId39"/>
@@ -4589,13 +4589,13 @@
   <p:clrMapOvr>
     <a:masterClrMapping/>
   </p:clrMapOvr>
-  <mc:AlternateContent xmlns:mc="http://schemas.openxmlformats.org/markup-compatibility/2006">
-    <mc:Choice xmlns:p14="http://schemas.microsoft.com/office/powerpoint/2010/main" Requires="p14">
+  <mc:AlternateContent xmlns:mc="http://schemas.openxmlformats.org/markup-compatibility/2006" xmlns:p14="http://schemas.microsoft.com/office/powerpoint/2010/main">
+    <mc:Choice Requires="p14">
       <p:transition spd="slow" p14:dur="1300">
         <p:fade thruBlk="1"/>
       </p:transition>
     </mc:Choice>
-    <mc:Fallback>
+    <mc:Fallback xmlns="">
       <p:transition xmlns:p14="http://schemas.microsoft.com/office/powerpoint/2010/main" spd="slow">
         <p:fade thruBlk="1"/>
       </p:transition>
@@ -4914,7 +4914,7 @@
           <a:graphicData uri="http://schemas.openxmlformats.org/presentationml/2006/ole">
             <mc:AlternateContent xmlns:mc="http://schemas.openxmlformats.org/markup-compatibility/2006">
               <mc:Choice xmlns:v="urn:schemas-microsoft-com:vml" Requires="v">
-                <p:oleObj spid="_x0000_s1051" name="Equation" r:id="rId5" imgW="1104900" imgH="508000" progId="Equation.DSMT4">
+                <p:oleObj spid="_x0000_s1056" name="Equation" r:id="rId5" imgW="1104900" imgH="508000" progId="Equation.DSMT4">
                   <p:embed/>
                 </p:oleObj>
               </mc:Choice>
@@ -4971,7 +4971,7 @@
           <a:graphicData uri="http://schemas.openxmlformats.org/presentationml/2006/ole">
             <mc:AlternateContent xmlns:mc="http://schemas.openxmlformats.org/markup-compatibility/2006">
               <mc:Choice xmlns:v="urn:schemas-microsoft-com:vml" Requires="v">
-                <p:oleObj spid="_x0000_s1052" name="Equation" r:id="rId7" imgW="939800" imgH="215900" progId="Equation.DSMT4">
+                <p:oleObj spid="_x0000_s1057" name="Equation" r:id="rId7" imgW="939800" imgH="215900" progId="Equation.DSMT4">
                   <p:embed/>
                 </p:oleObj>
               </mc:Choice>
@@ -5503,7 +5503,7 @@
           <a:graphicData uri="http://schemas.openxmlformats.org/presentationml/2006/ole">
             <mc:AlternateContent xmlns:mc="http://schemas.openxmlformats.org/markup-compatibility/2006">
               <mc:Choice xmlns:v="urn:schemas-microsoft-com:vml" Requires="v">
-                <p:oleObj spid="_x0000_s579626" name="Equation" r:id="rId5" imgW="1181100" imgH="508000" progId="Equation.DSMT4">
+                <p:oleObj spid="_x0000_s579633" name="Equation" r:id="rId5" imgW="1181100" imgH="508000" progId="Equation.DSMT4">
                   <p:embed/>
                 </p:oleObj>
               </mc:Choice>
@@ -5560,7 +5560,7 @@
           <a:graphicData uri="http://schemas.openxmlformats.org/presentationml/2006/ole">
             <mc:AlternateContent xmlns:mc="http://schemas.openxmlformats.org/markup-compatibility/2006">
               <mc:Choice xmlns:v="urn:schemas-microsoft-com:vml" Requires="v">
-                <p:oleObj spid="_x0000_s579627" name="Equation" r:id="rId7" imgW="749300" imgH="292100" progId="Equation.DSMT4">
+                <p:oleObj spid="_x0000_s579634" name="Equation" r:id="rId7" imgW="749300" imgH="292100" progId="Equation.DSMT4">
                   <p:embed/>
                 </p:oleObj>
               </mc:Choice>
@@ -5617,7 +5617,7 @@
           <a:graphicData uri="http://schemas.openxmlformats.org/presentationml/2006/ole">
             <mc:AlternateContent xmlns:mc="http://schemas.openxmlformats.org/markup-compatibility/2006">
               <mc:Choice xmlns:v="urn:schemas-microsoft-com:vml" Requires="v">
-                <p:oleObj spid="_x0000_s579628" name="Equation" r:id="rId9" imgW="1689100" imgH="330200" progId="Equation.3">
+                <p:oleObj spid="_x0000_s579635" name="Equation" r:id="rId9" imgW="1689100" imgH="330200" progId="Equation.3">
                   <p:embed/>
                 </p:oleObj>
               </mc:Choice>
@@ -5665,13 +5665,13 @@
   <p:clrMapOvr>
     <a:masterClrMapping/>
   </p:clrMapOvr>
-  <mc:AlternateContent xmlns:mc="http://schemas.openxmlformats.org/markup-compatibility/2006">
-    <mc:Choice xmlns:p14="http://schemas.microsoft.com/office/powerpoint/2010/main" Requires="p14">
+  <mc:AlternateContent xmlns:mc="http://schemas.openxmlformats.org/markup-compatibility/2006" xmlns:p14="http://schemas.microsoft.com/office/powerpoint/2010/main">
+    <mc:Choice Requires="p14">
       <p:transition spd="med" p14:dur="700">
         <p:fade/>
       </p:transition>
     </mc:Choice>
-    <mc:Fallback>
+    <mc:Fallback xmlns="">
       <p:transition xmlns:p14="http://schemas.microsoft.com/office/powerpoint/2010/main" spd="med">
         <p:fade/>
       </p:transition>
@@ -7077,13 +7077,13 @@
   <p:clrMapOvr>
     <a:masterClrMapping/>
   </p:clrMapOvr>
-  <mc:AlternateContent xmlns:mc="http://schemas.openxmlformats.org/markup-compatibility/2006">
-    <mc:Choice xmlns:p14="http://schemas.microsoft.com/office/powerpoint/2010/main" Requires="p14">
+  <mc:AlternateContent xmlns:mc="http://schemas.openxmlformats.org/markup-compatibility/2006" xmlns:p14="http://schemas.microsoft.com/office/powerpoint/2010/main">
+    <mc:Choice Requires="p14">
       <p:transition spd="med" p14:dur="700">
         <p:fade thruBlk="1"/>
       </p:transition>
     </mc:Choice>
-    <mc:Fallback>
+    <mc:Fallback xmlns="">
       <p:transition xmlns:p14="http://schemas.microsoft.com/office/powerpoint/2010/main" spd="med">
         <p:fade thruBlk="1"/>
       </p:transition>
@@ -9397,7 +9397,7 @@
           <a:graphicData uri="http://schemas.openxmlformats.org/presentationml/2006/ole">
             <mc:AlternateContent xmlns:mc="http://schemas.openxmlformats.org/markup-compatibility/2006">
               <mc:Choice xmlns:v="urn:schemas-microsoft-com:vml" Requires="v">
-                <p:oleObj spid="_x0000_s581648" name="Equation" r:id="rId3" imgW="635000" imgH="330200" progId="Equation.DSMT4">
+                <p:oleObj spid="_x0000_s581651" name="Equation" r:id="rId3" imgW="635000" imgH="330200" progId="Equation.DSMT4">
                   <p:embed/>
                 </p:oleObj>
               </mc:Choice>
@@ -15596,13 +15596,13 @@
   <p:clrMapOvr>
     <a:masterClrMapping/>
   </p:clrMapOvr>
-  <mc:AlternateContent xmlns:mc="http://schemas.openxmlformats.org/markup-compatibility/2006">
-    <mc:Choice xmlns:p14="http://schemas.microsoft.com/office/powerpoint/2010/main" Requires="p14">
+  <mc:AlternateContent xmlns:mc="http://schemas.openxmlformats.org/markup-compatibility/2006" xmlns:p14="http://schemas.microsoft.com/office/powerpoint/2010/main">
+    <mc:Choice Requires="p14">
       <p:transition spd="med" p14:dur="700">
         <p:fade/>
       </p:transition>
     </mc:Choice>
-    <mc:Fallback>
+    <mc:Fallback xmlns="">
       <p:transition xmlns:p14="http://schemas.microsoft.com/office/powerpoint/2010/main" spd="med">
         <p:fade/>
       </p:transition>
@@ -16134,7 +16134,7 @@
 </file>
 
 <file path=ppt/slides/slide21.xml><?xml version="1.0" encoding="utf-8"?>
-<p:sld xmlns:a="http://schemas.openxmlformats.org/drawingml/2006/main" xmlns:r="http://schemas.openxmlformats.org/officeDocument/2006/relationships" xmlns:p="http://schemas.openxmlformats.org/presentationml/2006/main">
+<p:sld xmlns:a="http://schemas.openxmlformats.org/drawingml/2006/main" xmlns:r="http://schemas.openxmlformats.org/officeDocument/2006/relationships" xmlns:p="http://schemas.openxmlformats.org/presentationml/2006/main" show="0">
   <p:cSld>
     <p:spTree>
       <p:nvGrpSpPr>
@@ -16313,14 +16313,6 @@
               </a:rPr>
               <a:t>Cardinality</a:t>
             </a:r>
-            <a:endParaRPr lang="en-US" sz="8000" kern="0" dirty="0" smtClean="0">
-              <a:solidFill>
-                <a:schemeClr val="tx2"/>
-              </a:solidFill>
-              <a:latin typeface="Comic Sans MS" pitchFamily="66" charset="0"/>
-              <a:ea typeface="+mj-ea"/>
-              <a:cs typeface="Comic Sans MS"/>
-            </a:endParaRPr>
           </a:p>
         </p:txBody>
       </p:sp>
@@ -16353,7 +16345,7 @@
 </file>
 
 <file path=ppt/slides/slide22.xml><?xml version="1.0" encoding="utf-8"?>
-<p:sld xmlns:a="http://schemas.openxmlformats.org/drawingml/2006/main" xmlns:r="http://schemas.openxmlformats.org/officeDocument/2006/relationships" xmlns:p="http://schemas.openxmlformats.org/presentationml/2006/main">
+<p:sld xmlns:a="http://schemas.openxmlformats.org/drawingml/2006/main" xmlns:r="http://schemas.openxmlformats.org/officeDocument/2006/relationships" xmlns:p="http://schemas.openxmlformats.org/presentationml/2006/main" show="0">
   <p:cSld>
     <p:spTree>
       <p:nvGrpSpPr>
@@ -16868,7 +16860,7 @@
 </file>
 
 <file path=ppt/slides/slide23.xml><?xml version="1.0" encoding="utf-8"?>
-<p:sld xmlns:a="http://schemas.openxmlformats.org/drawingml/2006/main" xmlns:r="http://schemas.openxmlformats.org/officeDocument/2006/relationships" xmlns:p="http://schemas.openxmlformats.org/presentationml/2006/main">
+<p:sld xmlns:a="http://schemas.openxmlformats.org/drawingml/2006/main" xmlns:r="http://schemas.openxmlformats.org/officeDocument/2006/relationships" xmlns:p="http://schemas.openxmlformats.org/presentationml/2006/main" show="0">
   <p:cSld>
     <p:spTree>
       <p:nvGrpSpPr>
@@ -17652,7 +17644,7 @@
 </file>
 
 <file path=ppt/slides/slide24.xml><?xml version="1.0" encoding="utf-8"?>
-<p:sld xmlns:a="http://schemas.openxmlformats.org/drawingml/2006/main" xmlns:r="http://schemas.openxmlformats.org/officeDocument/2006/relationships" xmlns:p="http://schemas.openxmlformats.org/presentationml/2006/main">
+<p:sld xmlns:a="http://schemas.openxmlformats.org/drawingml/2006/main" xmlns:r="http://schemas.openxmlformats.org/officeDocument/2006/relationships" xmlns:p="http://schemas.openxmlformats.org/presentationml/2006/main" show="0">
   <p:cSld>
     <p:spTree>
       <p:nvGrpSpPr>
@@ -18603,7 +18595,7 @@
 </file>
 
 <file path=ppt/slides/slide25.xml><?xml version="1.0" encoding="utf-8"?>
-<p:sld xmlns:a="http://schemas.openxmlformats.org/drawingml/2006/main" xmlns:r="http://schemas.openxmlformats.org/officeDocument/2006/relationships" xmlns:p="http://schemas.openxmlformats.org/presentationml/2006/main">
+<p:sld xmlns:a="http://schemas.openxmlformats.org/drawingml/2006/main" xmlns:r="http://schemas.openxmlformats.org/officeDocument/2006/relationships" xmlns:p="http://schemas.openxmlformats.org/presentationml/2006/main" show="0">
   <p:cSld>
     <p:spTree>
       <p:nvGrpSpPr>
@@ -19127,7 +19119,7 @@
 </file>
 
 <file path=ppt/slides/slide26.xml><?xml version="1.0" encoding="utf-8"?>
-<p:sld xmlns:a="http://schemas.openxmlformats.org/drawingml/2006/main" xmlns:r="http://schemas.openxmlformats.org/officeDocument/2006/relationships" xmlns:p="http://schemas.openxmlformats.org/presentationml/2006/main">
+<p:sld xmlns:a="http://schemas.openxmlformats.org/drawingml/2006/main" xmlns:r="http://schemas.openxmlformats.org/officeDocument/2006/relationships" xmlns:p="http://schemas.openxmlformats.org/presentationml/2006/main" show="0">
   <p:cSld>
     <p:spTree>
       <p:nvGrpSpPr>
@@ -20459,7 +20451,7 @@
 </file>
 
 <file path=ppt/slides/slide27.xml><?xml version="1.0" encoding="utf-8"?>
-<p:sld xmlns:a="http://schemas.openxmlformats.org/drawingml/2006/main" xmlns:r="http://schemas.openxmlformats.org/officeDocument/2006/relationships" xmlns:p="http://schemas.openxmlformats.org/presentationml/2006/main">
+<p:sld xmlns:a="http://schemas.openxmlformats.org/drawingml/2006/main" xmlns:r="http://schemas.openxmlformats.org/officeDocument/2006/relationships" xmlns:p="http://schemas.openxmlformats.org/presentationml/2006/main" show="0">
   <p:cSld>
     <p:spTree>
       <p:nvGrpSpPr>
@@ -20728,7 +20720,7 @@
           <a:graphicData uri="http://schemas.openxmlformats.org/presentationml/2006/ole">
             <mc:AlternateContent xmlns:mc="http://schemas.openxmlformats.org/markup-compatibility/2006">
               <mc:Choice xmlns:v="urn:schemas-microsoft-com:vml" Requires="v">
-                <p:oleObj spid="_x0000_s583704" name="Equation" r:id="rId5" imgW="838200" imgH="203200" progId="Equation.DSMT4">
+                <p:oleObj spid="_x0000_s583709" name="Equation" r:id="rId5" imgW="838200" imgH="203200" progId="Equation.DSMT4">
                   <p:embed/>
                 </p:oleObj>
               </mc:Choice>
@@ -20791,7 +20783,7 @@
           <a:graphicData uri="http://schemas.openxmlformats.org/presentationml/2006/ole">
             <mc:AlternateContent xmlns:mc="http://schemas.openxmlformats.org/markup-compatibility/2006">
               <mc:Choice xmlns:v="urn:schemas-microsoft-com:vml" Requires="v">
-                <p:oleObj spid="_x0000_s583705" name="Equation" r:id="rId7" imgW="965200" imgH="203200" progId="Equation.3">
+                <p:oleObj spid="_x0000_s583710" name="Equation" r:id="rId7" imgW="965200" imgH="203200" progId="Equation.3">
                   <p:embed/>
                 </p:oleObj>
               </mc:Choice>
@@ -21180,7 +21172,7 @@
 </file>
 
 <file path=ppt/slides/slide28.xml><?xml version="1.0" encoding="utf-8"?>
-<p:sld xmlns:a="http://schemas.openxmlformats.org/drawingml/2006/main" xmlns:r="http://schemas.openxmlformats.org/officeDocument/2006/relationships" xmlns:p="http://schemas.openxmlformats.org/presentationml/2006/main">
+<p:sld xmlns:a="http://schemas.openxmlformats.org/drawingml/2006/main" xmlns:r="http://schemas.openxmlformats.org/officeDocument/2006/relationships" xmlns:p="http://schemas.openxmlformats.org/presentationml/2006/main" show="0">
   <p:cSld>
     <p:spTree>
       <p:nvGrpSpPr>
@@ -21713,7 +21705,7 @@
 </file>
 
 <file path=ppt/slides/slide29.xml><?xml version="1.0" encoding="utf-8"?>
-<p:sld xmlns:a="http://schemas.openxmlformats.org/drawingml/2006/main" xmlns:r="http://schemas.openxmlformats.org/officeDocument/2006/relationships" xmlns:p="http://schemas.openxmlformats.org/presentationml/2006/main">
+<p:sld xmlns:a="http://schemas.openxmlformats.org/drawingml/2006/main" xmlns:r="http://schemas.openxmlformats.org/officeDocument/2006/relationships" xmlns:p="http://schemas.openxmlformats.org/presentationml/2006/main" show="0">
   <p:cSld>
     <p:spTree>
       <p:nvGrpSpPr>
@@ -24120,7 +24112,7 @@
 </file>
 
 <file path=ppt/slides/slide30.xml><?xml version="1.0" encoding="utf-8"?>
-<p:sld xmlns:a="http://schemas.openxmlformats.org/drawingml/2006/main" xmlns:r="http://schemas.openxmlformats.org/officeDocument/2006/relationships" xmlns:p="http://schemas.openxmlformats.org/presentationml/2006/main">
+<p:sld xmlns:a="http://schemas.openxmlformats.org/drawingml/2006/main" xmlns:r="http://schemas.openxmlformats.org/officeDocument/2006/relationships" xmlns:p="http://schemas.openxmlformats.org/presentationml/2006/main" show="0">
   <p:cSld>
     <p:spTree>
       <p:nvGrpSpPr>
@@ -24304,13 +24296,13 @@
   <p:clrMapOvr>
     <a:masterClrMapping/>
   </p:clrMapOvr>
-  <mc:AlternateContent xmlns:mc="http://schemas.openxmlformats.org/markup-compatibility/2006" xmlns:p14="http://schemas.microsoft.com/office/powerpoint/2010/main">
-    <mc:Choice Requires="p14">
+  <mc:AlternateContent xmlns:mc="http://schemas.openxmlformats.org/markup-compatibility/2006">
+    <mc:Choice xmlns:p14="http://schemas.microsoft.com/office/powerpoint/2010/main" Requires="p14">
       <p:transition spd="med" p14:dur="700">
         <p:fade/>
       </p:transition>
     </mc:Choice>
-    <mc:Fallback xmlns="">
+    <mc:Fallback>
       <p:transition xmlns:p14="http://schemas.microsoft.com/office/powerpoint/2010/main" spd="med">
         <p:fade/>
       </p:transition>
@@ -24430,7 +24422,7 @@
 </file>
 
 <file path=ppt/slides/slide31.xml><?xml version="1.0" encoding="utf-8"?>
-<p:sld xmlns:a="http://schemas.openxmlformats.org/drawingml/2006/main" xmlns:r="http://schemas.openxmlformats.org/officeDocument/2006/relationships" xmlns:p="http://schemas.openxmlformats.org/presentationml/2006/main">
+<p:sld xmlns:a="http://schemas.openxmlformats.org/drawingml/2006/main" xmlns:r="http://schemas.openxmlformats.org/officeDocument/2006/relationships" xmlns:p="http://schemas.openxmlformats.org/presentationml/2006/main" show="0">
   <p:cSld>
     <p:spTree>
       <p:nvGrpSpPr>
@@ -24684,13 +24676,13 @@
   <p:clrMapOvr>
     <a:masterClrMapping/>
   </p:clrMapOvr>
-  <mc:AlternateContent xmlns:mc="http://schemas.openxmlformats.org/markup-compatibility/2006" xmlns:p14="http://schemas.microsoft.com/office/powerpoint/2010/main">
-    <mc:Choice Requires="p14">
+  <mc:AlternateContent xmlns:mc="http://schemas.openxmlformats.org/markup-compatibility/2006">
+    <mc:Choice xmlns:p14="http://schemas.microsoft.com/office/powerpoint/2010/main" Requires="p14">
       <p:transition spd="med" p14:dur="700">
         <p:fade/>
       </p:transition>
     </mc:Choice>
-    <mc:Fallback xmlns="">
+    <mc:Fallback>
       <p:transition xmlns:p14="http://schemas.microsoft.com/office/powerpoint/2010/main" spd="med">
         <p:fade/>
       </p:transition>
@@ -24707,7 +24699,7 @@
 </file>
 
 <file path=ppt/slides/slide32.xml><?xml version="1.0" encoding="utf-8"?>
-<p:sld xmlns:a="http://schemas.openxmlformats.org/drawingml/2006/main" xmlns:r="http://schemas.openxmlformats.org/officeDocument/2006/relationships" xmlns:p="http://schemas.openxmlformats.org/presentationml/2006/main">
+<p:sld xmlns:a="http://schemas.openxmlformats.org/drawingml/2006/main" xmlns:r="http://schemas.openxmlformats.org/officeDocument/2006/relationships" xmlns:p="http://schemas.openxmlformats.org/presentationml/2006/main" show="0">
   <p:cSld>
     <p:spTree>
       <p:nvGrpSpPr>
@@ -25365,7 +25357,7 @@
 </file>
 
 <file path=ppt/slides/slide33.xml><?xml version="1.0" encoding="utf-8"?>
-<p:sld xmlns:a="http://schemas.openxmlformats.org/drawingml/2006/main" xmlns:r="http://schemas.openxmlformats.org/officeDocument/2006/relationships" xmlns:p="http://schemas.openxmlformats.org/presentationml/2006/main">
+<p:sld xmlns:a="http://schemas.openxmlformats.org/drawingml/2006/main" xmlns:r="http://schemas.openxmlformats.org/officeDocument/2006/relationships" xmlns:p="http://schemas.openxmlformats.org/presentationml/2006/main" show="0">
   <p:cSld>
     <p:spTree>
       <p:nvGrpSpPr>
@@ -25426,7 +25418,7 @@
           <a:graphicData uri="http://schemas.openxmlformats.org/presentationml/2006/ole">
             <mc:AlternateContent xmlns:mc="http://schemas.openxmlformats.org/markup-compatibility/2006">
               <mc:Choice xmlns:v="urn:schemas-microsoft-com:vml" Requires="v">
-                <p:oleObj spid="_x0000_s584739" name="Equation" r:id="rId3" imgW="1574800" imgH="330200" progId="Equation.DSMT4">
+                <p:oleObj spid="_x0000_s584746" name="Equation" r:id="rId3" imgW="1574800" imgH="330200" progId="Equation.DSMT4">
                   <p:embed/>
                 </p:oleObj>
               </mc:Choice>
@@ -25483,7 +25475,7 @@
           <a:graphicData uri="http://schemas.openxmlformats.org/presentationml/2006/ole">
             <mc:AlternateContent xmlns:mc="http://schemas.openxmlformats.org/markup-compatibility/2006">
               <mc:Choice xmlns:v="urn:schemas-microsoft-com:vml" Requires="v">
-                <p:oleObj spid="_x0000_s584740" name="Equation" r:id="rId5" imgW="1498600" imgH="330200" progId="Equation.DSMT4">
+                <p:oleObj spid="_x0000_s584747" name="Equation" r:id="rId5" imgW="1498600" imgH="330200" progId="Equation.DSMT4">
                   <p:embed/>
                 </p:oleObj>
               </mc:Choice>
@@ -25540,7 +25532,7 @@
           <a:graphicData uri="http://schemas.openxmlformats.org/presentationml/2006/ole">
             <mc:AlternateContent xmlns:mc="http://schemas.openxmlformats.org/markup-compatibility/2006">
               <mc:Choice xmlns:v="urn:schemas-microsoft-com:vml" Requires="v">
-                <p:oleObj spid="_x0000_s584741" name="Equation" r:id="rId7" imgW="1473200" imgH="330200" progId="Equation.DSMT4">
+                <p:oleObj spid="_x0000_s584748" name="Equation" r:id="rId7" imgW="1473200" imgH="330200" progId="Equation.DSMT4">
                   <p:embed/>
                 </p:oleObj>
               </mc:Choice>
@@ -25907,7 +25899,7 @@
 </file>
 
 <file path=ppt/slides/slide34.xml><?xml version="1.0" encoding="utf-8"?>
-<p:sld xmlns:a="http://schemas.openxmlformats.org/drawingml/2006/main" xmlns:r="http://schemas.openxmlformats.org/officeDocument/2006/relationships" xmlns:p="http://schemas.openxmlformats.org/presentationml/2006/main">
+<p:sld xmlns:a="http://schemas.openxmlformats.org/drawingml/2006/main" xmlns:r="http://schemas.openxmlformats.org/officeDocument/2006/relationships" xmlns:p="http://schemas.openxmlformats.org/presentationml/2006/main" show="0">
   <p:cSld>
     <p:spTree>
       <p:nvGrpSpPr>
@@ -27338,34 +27330,17 @@
                 <a:latin typeface="Comic Sans MS"/>
                 <a:cs typeface="Comic Sans MS"/>
               </a:rPr>
-              <a:t>this </a:t>
+              <a:t>this last is</a:t>
             </a:r>
             <a:r>
               <a:rPr lang="en-US" sz="5400" dirty="0" smtClean="0">
+                <a:solidFill>
+                  <a:srgbClr val="FF0000"/>
+                </a:solidFill>
                 <a:latin typeface="Comic Sans MS"/>
                 <a:cs typeface="Comic Sans MS"/>
               </a:rPr>
-              <a:t>last is</a:t>
-            </a:r>
-            <a:r>
-              <a:rPr lang="en-US" sz="5400" dirty="0" smtClean="0">
-                <a:solidFill>
-                  <a:srgbClr val="FF0000"/>
-                </a:solidFill>
-                <a:latin typeface="Comic Sans MS"/>
-                <a:cs typeface="Comic Sans MS"/>
-              </a:rPr>
-              <a:t> </a:t>
-            </a:r>
-            <a:r>
-              <a:rPr lang="en-US" sz="5400" dirty="0" smtClean="0">
-                <a:solidFill>
-                  <a:srgbClr val="FF0000"/>
-                </a:solidFill>
-                <a:latin typeface="Comic Sans MS"/>
-                <a:cs typeface="Comic Sans MS"/>
-              </a:rPr>
-              <a:t>NOT</a:t>
+              <a:t> NOT</a:t>
             </a:r>
             <a:r>
               <a:rPr lang="en-US" sz="5400" dirty="0" smtClean="0">
@@ -32782,7 +32757,7 @@
           <a:graphicData uri="http://schemas.openxmlformats.org/presentationml/2006/ole">
             <mc:AlternateContent xmlns:mc="http://schemas.openxmlformats.org/markup-compatibility/2006">
               <mc:Choice xmlns:v="urn:schemas-microsoft-com:vml" Requires="v">
-                <p:oleObj spid="_x0000_s580624" name="Equation" r:id="rId3" imgW="749300" imgH="330200" progId="Equation.DSMT4">
+                <p:oleObj spid="_x0000_s580627" name="Equation" r:id="rId3" imgW="749300" imgH="330200" progId="Equation.DSMT4">
                   <p:embed/>
                 </p:oleObj>
               </mc:Choice>
@@ -32865,13 +32840,13 @@
   <p:clrMapOvr>
     <a:masterClrMapping/>
   </p:clrMapOvr>
-  <mc:AlternateContent xmlns:mc="http://schemas.openxmlformats.org/markup-compatibility/2006">
-    <mc:Choice xmlns:p14="http://schemas.microsoft.com/office/powerpoint/2010/main" Requires="p14">
+  <mc:AlternateContent xmlns:mc="http://schemas.openxmlformats.org/markup-compatibility/2006" xmlns:p14="http://schemas.microsoft.com/office/powerpoint/2010/main">
+    <mc:Choice Requires="p14">
       <p:transition spd="med" p14:dur="700">
         <p:fade/>
       </p:transition>
     </mc:Choice>
-    <mc:Fallback>
+    <mc:Fallback xmlns="">
       <p:transition xmlns:p14="http://schemas.microsoft.com/office/powerpoint/2010/main" spd="med">
         <p:fade/>
       </p:transition>

--- a/spring12/slidesS12/relational-mappings.pptx
+++ b/spring12/slidesS12/relational-mappings.pptx
@@ -3976,7 +3976,7 @@
           <a:graphicData uri="http://schemas.openxmlformats.org/presentationml/2006/ole">
             <mc:AlternateContent xmlns:mc="http://schemas.openxmlformats.org/markup-compatibility/2006">
               <mc:Choice xmlns:v="urn:schemas-microsoft-com:vml" Requires="v">
-                <p:oleObj spid="_x0000_s1059" name="Equation" r:id="rId5" imgW="1104900" imgH="508000" progId="Equation.DSMT4">
+                <p:oleObj spid="_x0000_s1062" name="Equation" r:id="rId5" imgW="1104900" imgH="508000" progId="Equation.DSMT4">
                   <p:embed/>
                 </p:oleObj>
               </mc:Choice>
@@ -4033,7 +4033,7 @@
           <a:graphicData uri="http://schemas.openxmlformats.org/presentationml/2006/ole">
             <mc:AlternateContent xmlns:mc="http://schemas.openxmlformats.org/markup-compatibility/2006">
               <mc:Choice xmlns:v="urn:schemas-microsoft-com:vml" Requires="v">
-                <p:oleObj spid="_x0000_s1060" name="Equation" r:id="rId7" imgW="939800" imgH="215900" progId="Equation.DSMT4">
+                <p:oleObj spid="_x0000_s1063" name="Equation" r:id="rId7" imgW="939800" imgH="215900" progId="Equation.DSMT4">
                   <p:embed/>
                 </p:oleObj>
               </mc:Choice>
@@ -4565,7 +4565,7 @@
           <a:graphicData uri="http://schemas.openxmlformats.org/presentationml/2006/ole">
             <mc:AlternateContent xmlns:mc="http://schemas.openxmlformats.org/markup-compatibility/2006">
               <mc:Choice xmlns:v="urn:schemas-microsoft-com:vml" Requires="v">
-                <p:oleObj spid="_x0000_s579637" name="Equation" r:id="rId5" imgW="1181100" imgH="508000" progId="Equation.DSMT4">
+                <p:oleObj spid="_x0000_s579641" name="Equation" r:id="rId5" imgW="1181100" imgH="508000" progId="Equation.DSMT4">
                   <p:embed/>
                 </p:oleObj>
               </mc:Choice>
@@ -4622,7 +4622,7 @@
           <a:graphicData uri="http://schemas.openxmlformats.org/presentationml/2006/ole">
             <mc:AlternateContent xmlns:mc="http://schemas.openxmlformats.org/markup-compatibility/2006">
               <mc:Choice xmlns:v="urn:schemas-microsoft-com:vml" Requires="v">
-                <p:oleObj spid="_x0000_s579638" name="Equation" r:id="rId7" imgW="749300" imgH="292100" progId="Equation.DSMT4">
+                <p:oleObj spid="_x0000_s579642" name="Equation" r:id="rId7" imgW="749300" imgH="292100" progId="Equation.DSMT4">
                   <p:embed/>
                 </p:oleObj>
               </mc:Choice>
@@ -4679,7 +4679,7 @@
           <a:graphicData uri="http://schemas.openxmlformats.org/presentationml/2006/ole">
             <mc:AlternateContent xmlns:mc="http://schemas.openxmlformats.org/markup-compatibility/2006">
               <mc:Choice xmlns:v="urn:schemas-microsoft-com:vml" Requires="v">
-                <p:oleObj spid="_x0000_s579639" name="Equation" r:id="rId9" imgW="1689100" imgH="330200" progId="Equation.3">
+                <p:oleObj spid="_x0000_s579643" name="Equation" r:id="rId9" imgW="1689100" imgH="330200" progId="Equation.3">
                   <p:embed/>
                 </p:oleObj>
               </mc:Choice>
@@ -8459,7 +8459,7 @@
           <a:graphicData uri="http://schemas.openxmlformats.org/presentationml/2006/ole">
             <mc:AlternateContent xmlns:mc="http://schemas.openxmlformats.org/markup-compatibility/2006">
               <mc:Choice xmlns:v="urn:schemas-microsoft-com:vml" Requires="v">
-                <p:oleObj spid="_x0000_s581653" name="Equation" r:id="rId3" imgW="635000" imgH="330200" progId="Equation.DSMT4">
+                <p:oleObj spid="_x0000_s581655" name="Equation" r:id="rId3" imgW="635000" imgH="330200" progId="Equation.DSMT4">
                   <p:embed/>
                 </p:oleObj>
               </mc:Choice>
@@ -12985,16 +12985,16 @@
       </p:grpSp>
       <p:grpSp>
         <p:nvGrpSpPr>
-          <p:cNvPr id="6" name="Group 5"/>
+          <p:cNvPr id="8" name="Group 7"/>
           <p:cNvGrpSpPr/>
           <p:nvPr/>
         </p:nvGrpSpPr>
         <p:grpSpPr>
           <a:xfrm>
-            <a:off x="3398642" y="1900897"/>
-            <a:ext cx="1787874" cy="769441"/>
-            <a:chOff x="3398642" y="1900897"/>
-            <a:chExt cx="1787874" cy="769441"/>
+            <a:off x="3339373" y="1900897"/>
+            <a:ext cx="1847143" cy="769441"/>
+            <a:chOff x="3339373" y="1900897"/>
+            <a:chExt cx="1847143" cy="769441"/>
           </a:xfrm>
         </p:grpSpPr>
         <p:sp>
@@ -13005,8 +13005,8 @@
           </p:nvSpPr>
           <p:spPr>
             <a:xfrm>
-              <a:off x="3398642" y="1900897"/>
-              <a:ext cx="1509899" cy="769441"/>
+              <a:off x="3339373" y="1900897"/>
+              <a:ext cx="1565553" cy="769441"/>
             </a:xfrm>
             <a:prstGeom prst="rect">
               <a:avLst/>
@@ -13020,6 +13020,16 @@
             <a:lstStyle/>
             <a:p>
               <a:r>
+                <a:rPr lang="en-US" sz="4400" dirty="0">
+                  <a:solidFill>
+                    <a:srgbClr val="0000FF"/>
+                  </a:solidFill>
+                  <a:latin typeface="Comic Sans MS"/>
+                  <a:cs typeface="Comic Sans MS"/>
+                </a:rPr>
+                <a:t>F</a:t>
+              </a:r>
+              <a:r>
                 <a:rPr lang="en-US" sz="4400" dirty="0" smtClean="0">
                   <a:solidFill>
                     <a:srgbClr val="0000FF"/>
@@ -13027,7 +13037,17 @@
                   <a:latin typeface="Comic Sans MS"/>
                   <a:cs typeface="Comic Sans MS"/>
                 </a:rPr>
-                <a:t>f( ) =</a:t>
+                <a:t>( </a:t>
+              </a:r>
+              <a:r>
+                <a:rPr lang="en-US" sz="4400" dirty="0" smtClean="0">
+                  <a:solidFill>
+                    <a:srgbClr val="0000FF"/>
+                  </a:solidFill>
+                  <a:latin typeface="Comic Sans MS"/>
+                  <a:cs typeface="Comic Sans MS"/>
+                </a:rPr>
+                <a:t>) =</a:t>
               </a:r>
             </a:p>
           </p:txBody>
@@ -13269,7 +13289,7 @@
                                           </p:stCondLst>
                                         </p:cTn>
                                         <p:tgtEl>
-                                          <p:spTgt spid="6"/>
+                                          <p:spTgt spid="4"/>
                                         </p:tgtEl>
                                         <p:attrNameLst>
                                           <p:attrName>style.visibility</p:attrName>
@@ -13283,7 +13303,7 @@
                                       <p:cBhvr>
                                         <p:cTn id="17" dur="500"/>
                                         <p:tgtEl>
-                                          <p:spTgt spid="6"/>
+                                          <p:spTgt spid="4"/>
                                         </p:tgtEl>
                                       </p:cBhvr>
                                     </p:animEffect>
@@ -13309,7 +13329,7 @@
                             </p:stCondLst>
                             <p:childTnLst>
                               <p:par>
-                                <p:cTn id="20" presetID="22" presetClass="entr" presetSubtype="8" fill="hold" nodeType="clickEffect">
+                                <p:cTn id="20" presetID="9" presetClass="entr" presetSubtype="0" fill="hold" grpId="0" nodeType="clickEffect">
                                   <p:stCondLst>
                                     <p:cond delay="0"/>
                                   </p:stCondLst>
@@ -13322,7 +13342,7 @@
                                           </p:stCondLst>
                                         </p:cTn>
                                         <p:tgtEl>
-                                          <p:spTgt spid="4"/>
+                                          <p:spTgt spid="35"/>
                                         </p:tgtEl>
                                         <p:attrNameLst>
                                           <p:attrName>style.visibility</p:attrName>
@@ -13332,11 +13352,11 @@
                                         <p:strVal val="visible"/>
                                       </p:to>
                                     </p:set>
-                                    <p:animEffect transition="in" filter="wipe(left)">
+                                    <p:animEffect transition="in" filter="dissolve">
                                       <p:cBhvr>
                                         <p:cTn id="22" dur="500"/>
                                         <p:tgtEl>
-                                          <p:spTgt spid="4"/>
+                                          <p:spTgt spid="35"/>
                                         </p:tgtEl>
                                       </p:cBhvr>
                                     </p:animEffect>
@@ -13362,7 +13382,7 @@
                             </p:stCondLst>
                             <p:childTnLst>
                               <p:par>
-                                <p:cTn id="25" presetID="9" presetClass="entr" presetSubtype="0" fill="hold" grpId="0" nodeType="clickEffect">
+                                <p:cTn id="25" presetID="9" presetClass="entr" presetSubtype="0" fill="hold" nodeType="clickEffect">
                                   <p:stCondLst>
                                     <p:cond delay="0"/>
                                   </p:stCondLst>
@@ -13375,7 +13395,7 @@
                                           </p:stCondLst>
                                         </p:cTn>
                                         <p:tgtEl>
-                                          <p:spTgt spid="35"/>
+                                          <p:spTgt spid="8"/>
                                         </p:tgtEl>
                                         <p:attrNameLst>
                                           <p:attrName>style.visibility</p:attrName>
@@ -13389,7 +13409,7 @@
                                       <p:cBhvr>
                                         <p:cTn id="27" dur="500"/>
                                         <p:tgtEl>
-                                          <p:spTgt spid="35"/>
+                                          <p:spTgt spid="8"/>
                                         </p:tgtEl>
                                       </p:cBhvr>
                                     </p:animEffect>
@@ -21267,7 +21287,7 @@
           <a:graphicData uri="http://schemas.openxmlformats.org/presentationml/2006/ole">
             <mc:AlternateContent xmlns:mc="http://schemas.openxmlformats.org/markup-compatibility/2006">
               <mc:Choice xmlns:v="urn:schemas-microsoft-com:vml" Requires="v">
-                <p:oleObj spid="_x0000_s580629" name="Equation" r:id="rId3" imgW="749300" imgH="330200" progId="Equation.DSMT4">
+                <p:oleObj spid="_x0000_s580631" name="Equation" r:id="rId3" imgW="749300" imgH="330200" progId="Equation.DSMT4">
                   <p:embed/>
                 </p:oleObj>
               </mc:Choice>
